--- a/introduction.pptx
+++ b/introduction.pptx
@@ -105,6 +105,11 @@
       </a:defRPr>
     </a:lvl9pPr>
   </p:defaultTextStyle>
+  <p:extLst>
+    <p:ext uri="{EFAFB233-063F-42B5-8137-9DF3F51BA10A}">
+      <p15:sldGuideLst xmlns:p15="http://schemas.microsoft.com/office/powerpoint/2012/main"/>
+    </p:ext>
+  </p:extLst>
 </p:presentation>
 </file>
 
@@ -3549,7 +3554,7 @@
         <p:spPr>
           <a:xfrm>
             <a:off x="5120640" y="1463040"/>
-            <a:ext cx="4612640" cy="2585323"/>
+            <a:ext cx="4612640" cy="3970318"/>
           </a:xfrm>
           <a:prstGeom prst="rect">
             <a:avLst/>
@@ -3625,8 +3630,45 @@
             </a:r>
             <a:r>
               <a:rPr lang="zh-CN" altLang="en-US" dirty="0" smtClean="0"/>
-              <a:t>布尔变量。</a:t>
-            </a:r>
+              <a:t>布尔变量</a:t>
+            </a:r>
+            <a:r>
+              <a:rPr lang="zh-CN" altLang="en-US" dirty="0" smtClean="0"/>
+              <a:t>。</a:t>
+            </a:r>
+            <a:endParaRPr lang="en-US" altLang="zh-CN" dirty="0" smtClean="0"/>
+          </a:p>
+          <a:p>
+            <a:endParaRPr lang="en-US" altLang="zh-CN" dirty="0"/>
+          </a:p>
+          <a:p>
+            <a:r>
+              <a:rPr lang="zh-CN" altLang="en-US" dirty="0">
+                <a:hlinkClick r:id="rId2"/>
+              </a:rPr>
+              <a:t>代码已经上传</a:t>
+            </a:r>
+            <a:r>
+              <a:rPr lang="zh-CN" altLang="en-US" dirty="0" smtClean="0">
+                <a:hlinkClick r:id="rId2"/>
+              </a:rPr>
+              <a:t>至：</a:t>
+            </a:r>
+            <a:r>
+              <a:rPr lang="en-US" altLang="zh-CN" dirty="0" smtClean="0">
+                <a:hlinkClick r:id="rId2"/>
+              </a:rPr>
+              <a:t>git@github.com:zhangzhenyu13/</a:t>
+            </a:r>
+            <a:r>
+              <a:rPr lang="en-US" altLang="zh-CN" dirty="0" err="1" smtClean="0">
+                <a:hlinkClick r:id="rId2"/>
+              </a:rPr>
+              <a:t>ParallelDFS.git</a:t>
+            </a:r>
+            <a:endParaRPr lang="zh-CN" altLang="en-US" dirty="0"/>
+          </a:p>
+          <a:p>
             <a:endParaRPr lang="zh-CN" altLang="en-US" dirty="0"/>
           </a:p>
         </p:txBody>
